--- a/slide/BaoCao-VHMTH-Edited.pptx
+++ b/slide/BaoCao-VHMTH-Edited.pptx
@@ -16992,7 +16992,7 @@
           <a:p>
             <a:fld id="{BAB52DE3-0C1C-D343-84A0-7EDAA10F5F5C}" type="datetimeFigureOut">
               <a:rPr lang="en-US" smtClean="0"/>
-              <a:t>10/11/2017</a:t>
+              <a:t>10/12/2017</a:t>
             </a:fld>
             <a:endParaRPr lang="en-US"/>
           </a:p>
@@ -17567,7 +17567,7 @@
             <a:fld id="{B61BEF0D-F0BB-DE4B-95CE-6DB70DBA9567}" type="datetimeFigureOut">
               <a:rPr lang="en-US" smtClean="0"/>
               <a:pPr/>
-              <a:t>10/11/2017</a:t>
+              <a:t>10/12/2017</a:t>
             </a:fld>
             <a:endParaRPr lang="en-US"/>
           </a:p>
@@ -17754,7 +17754,7 @@
             <a:fld id="{B61BEF0D-F0BB-DE4B-95CE-6DB70DBA9567}" type="datetimeFigureOut">
               <a:rPr lang="en-US" smtClean="0"/>
               <a:pPr/>
-              <a:t>10/11/2017</a:t>
+              <a:t>10/12/2017</a:t>
             </a:fld>
             <a:endParaRPr lang="en-US"/>
           </a:p>
@@ -17941,7 +17941,7 @@
             <a:fld id="{B61BEF0D-F0BB-DE4B-95CE-6DB70DBA9567}" type="datetimeFigureOut">
               <a:rPr lang="en-US" smtClean="0"/>
               <a:pPr/>
-              <a:t>10/11/2017</a:t>
+              <a:t>10/12/2017</a:t>
             </a:fld>
             <a:endParaRPr lang="en-US"/>
           </a:p>
@@ -18128,7 +18128,7 @@
             <a:fld id="{B61BEF0D-F0BB-DE4B-95CE-6DB70DBA9567}" type="datetimeFigureOut">
               <a:rPr lang="en-US" smtClean="0"/>
               <a:pPr/>
-              <a:t>10/11/2017</a:t>
+              <a:t>10/12/2017</a:t>
             </a:fld>
             <a:endParaRPr lang="en-US"/>
           </a:p>
@@ -18511,7 +18511,7 @@
             <a:fld id="{B61BEF0D-F0BB-DE4B-95CE-6DB70DBA9567}" type="datetimeFigureOut">
               <a:rPr lang="en-US" smtClean="0"/>
               <a:pPr/>
-              <a:t>10/11/2017</a:t>
+              <a:t>10/12/2017</a:t>
             </a:fld>
             <a:endParaRPr lang="en-US"/>
           </a:p>
@@ -18782,7 +18782,7 @@
             <a:fld id="{B61BEF0D-F0BB-DE4B-95CE-6DB70DBA9567}" type="datetimeFigureOut">
               <a:rPr lang="en-US" smtClean="0"/>
               <a:pPr/>
-              <a:t>10/11/2017</a:t>
+              <a:t>10/12/2017</a:t>
             </a:fld>
             <a:endParaRPr lang="en-US"/>
           </a:p>
@@ -19169,7 +19169,7 @@
             <a:fld id="{B61BEF0D-F0BB-DE4B-95CE-6DB70DBA9567}" type="datetimeFigureOut">
               <a:rPr lang="en-US" smtClean="0"/>
               <a:pPr/>
-              <a:t>10/11/2017</a:t>
+              <a:t>10/12/2017</a:t>
             </a:fld>
             <a:endParaRPr lang="en-US"/>
           </a:p>
@@ -19292,7 +19292,7 @@
             <a:fld id="{B61BEF0D-F0BB-DE4B-95CE-6DB70DBA9567}" type="datetimeFigureOut">
               <a:rPr lang="en-US" smtClean="0"/>
               <a:pPr/>
-              <a:t>10/11/2017</a:t>
+              <a:t>10/12/2017</a:t>
             </a:fld>
             <a:endParaRPr lang="en-US"/>
           </a:p>
@@ -19474,7 +19474,7 @@
             <a:fld id="{B61BEF0D-F0BB-DE4B-95CE-6DB70DBA9567}" type="datetimeFigureOut">
               <a:rPr lang="en-US" smtClean="0"/>
               <a:pPr/>
-              <a:t>10/11/2017</a:t>
+              <a:t>10/12/2017</a:t>
             </a:fld>
             <a:endParaRPr lang="en-US"/>
           </a:p>
@@ -19810,7 +19810,7 @@
             <a:fld id="{B61BEF0D-F0BB-DE4B-95CE-6DB70DBA9567}" type="datetimeFigureOut">
               <a:rPr lang="en-US" smtClean="0"/>
               <a:pPr/>
-              <a:t>10/11/2017</a:t>
+              <a:t>10/12/2017</a:t>
             </a:fld>
             <a:endParaRPr lang="en-US"/>
           </a:p>
@@ -20181,7 +20181,7 @@
             <a:fld id="{B61BEF0D-F0BB-DE4B-95CE-6DB70DBA9567}" type="datetimeFigureOut">
               <a:rPr lang="en-US" smtClean="0"/>
               <a:pPr/>
-              <a:t>10/11/2017</a:t>
+              <a:t>10/12/2017</a:t>
             </a:fld>
             <a:endParaRPr lang="en-US"/>
           </a:p>
@@ -20601,7 +20601,7 @@
             <a:fld id="{B61BEF0D-F0BB-DE4B-95CE-6DB70DBA9567}" type="datetimeFigureOut">
               <a:rPr lang="en-US" smtClean="0"/>
               <a:pPr/>
-              <a:t>10/11/2017</a:t>
+              <a:t>10/12/2017</a:t>
             </a:fld>
             <a:endParaRPr lang="en-US"/>
           </a:p>
@@ -22469,7 +22469,20 @@
                 <a:ea typeface="Tahoma" pitchFamily="34" charset="0"/>
                 <a:cs typeface="Tahoma" pitchFamily="34" charset="0"/>
               </a:rPr>
-              <a:t>QuảnLý Cây</a:t>
+              <a:t>QuảnLý </a:t>
+            </a:r>
+            <a:r>
+              <a:rPr lang="en-US" sz="1600" b="1" smtClean="0">
+                <a:solidFill>
+                  <a:schemeClr val="accent3">
+                    <a:lumMod val="50000"/>
+                  </a:schemeClr>
+                </a:solidFill>
+                <a:latin typeface="Tahoma" pitchFamily="34" charset="0"/>
+                <a:ea typeface="Tahoma" pitchFamily="34" charset="0"/>
+                <a:cs typeface="Tahoma" pitchFamily="34" charset="0"/>
+              </a:rPr>
+              <a:t>Nhập Hàng</a:t>
             </a:r>
             <a:endParaRPr lang="fr-FR" sz="1600" b="1">
               <a:solidFill>
@@ -22625,13 +22638,15 @@
       <p:cxnSp>
         <p:nvCxnSpPr>
           <p:cNvPr id="19" name="Straight Arrow Connector 18"/>
-          <p:cNvCxnSpPr/>
+          <p:cNvCxnSpPr>
+            <a:endCxn id="4" idx="2"/>
+          </p:cNvCxnSpPr>
           <p:nvPr/>
         </p:nvCxnSpPr>
         <p:spPr>
           <a:xfrm flipV="1">
             <a:off x="2396359" y="1129156"/>
-            <a:ext cx="2286000" cy="873065"/>
+            <a:ext cx="2430515" cy="873066"/>
           </a:xfrm>
           <a:prstGeom prst="straightConnector1">
             <a:avLst/>
@@ -22723,13 +22738,15 @@
       <p:cxnSp>
         <p:nvCxnSpPr>
           <p:cNvPr id="25" name="Straight Arrow Connector 24"/>
-          <p:cNvCxnSpPr/>
+          <p:cNvCxnSpPr>
+            <a:endCxn id="12" idx="2"/>
+          </p:cNvCxnSpPr>
           <p:nvPr/>
         </p:nvCxnSpPr>
         <p:spPr>
           <a:xfrm flipV="1">
             <a:off x="2396359" y="2593291"/>
-            <a:ext cx="2286000" cy="1846939"/>
+            <a:ext cx="2430515" cy="1846940"/>
           </a:xfrm>
           <a:prstGeom prst="straightConnector1">
             <a:avLst/>
@@ -24108,13 +24125,15 @@
       <p:cxnSp>
         <p:nvCxnSpPr>
           <p:cNvPr id="14" name="Straight Arrow Connector 13"/>
-          <p:cNvCxnSpPr/>
+          <p:cNvCxnSpPr>
+            <a:endCxn id="9" idx="2"/>
+          </p:cNvCxnSpPr>
           <p:nvPr/>
         </p:nvCxnSpPr>
         <p:spPr>
           <a:xfrm flipV="1">
             <a:off x="3405353" y="1925174"/>
-            <a:ext cx="2286000" cy="1846939"/>
+            <a:ext cx="2430515" cy="1846940"/>
           </a:xfrm>
           <a:prstGeom prst="straightConnector1">
             <a:avLst/>
@@ -25065,13 +25084,15 @@
       <p:cxnSp>
         <p:nvCxnSpPr>
           <p:cNvPr id="15" name="Straight Arrow Connector 14"/>
-          <p:cNvCxnSpPr/>
+          <p:cNvCxnSpPr>
+            <a:endCxn id="10" idx="2"/>
+          </p:cNvCxnSpPr>
           <p:nvPr/>
         </p:nvCxnSpPr>
         <p:spPr>
           <a:xfrm flipV="1">
             <a:off x="3405353" y="1925174"/>
-            <a:ext cx="2286000" cy="1846939"/>
+            <a:ext cx="2430515" cy="1846940"/>
           </a:xfrm>
           <a:prstGeom prst="straightConnector1">
             <a:avLst/>
@@ -25831,8 +25852,8 @@
         </p:nvCxnSpPr>
         <p:spPr>
           <a:xfrm flipV="1">
-            <a:off x="3405353" y="1925174"/>
-            <a:ext cx="2286000" cy="1846939"/>
+            <a:off x="3405353" y="1897380"/>
+            <a:ext cx="2430515" cy="1874734"/>
           </a:xfrm>
           <a:prstGeom prst="straightConnector1">
             <a:avLst/>
@@ -29591,13 +29612,15 @@
       <p:cxnSp>
         <p:nvCxnSpPr>
           <p:cNvPr id="15" name="Straight Arrow Connector 14"/>
-          <p:cNvCxnSpPr/>
+          <p:cNvCxnSpPr>
+            <a:endCxn id="10" idx="2"/>
+          </p:cNvCxnSpPr>
           <p:nvPr/>
         </p:nvCxnSpPr>
         <p:spPr>
           <a:xfrm flipV="1">
             <a:off x="3405353" y="1925174"/>
-            <a:ext cx="2286000" cy="1846939"/>
+            <a:ext cx="2430515" cy="1846940"/>
           </a:xfrm>
           <a:prstGeom prst="straightConnector1">
             <a:avLst/>
@@ -31301,7 +31324,7 @@
         </p:nvSpPr>
         <p:spPr bwMode="auto">
           <a:xfrm>
-            <a:off x="5425799" y="2347098"/>
+            <a:off x="5438357" y="4646447"/>
             <a:ext cx="6431470" cy="302712"/>
           </a:xfrm>
           <a:prstGeom prst="rect">
@@ -31672,7 +31695,7 @@
         </p:nvSpPr>
         <p:spPr bwMode="auto">
           <a:xfrm>
-            <a:off x="5425799" y="3049775"/>
+            <a:off x="5438357" y="2357341"/>
             <a:ext cx="6431470" cy="302712"/>
           </a:xfrm>
           <a:prstGeom prst="rect">
@@ -32043,7 +32066,7 @@
         </p:nvSpPr>
         <p:spPr bwMode="auto">
           <a:xfrm>
-            <a:off x="5425799" y="3795434"/>
+            <a:off x="5438357" y="3094856"/>
             <a:ext cx="6431470" cy="302712"/>
           </a:xfrm>
           <a:prstGeom prst="rect">
@@ -35019,7 +35042,7 @@
         </p:nvSpPr>
         <p:spPr bwMode="auto">
           <a:xfrm>
-            <a:off x="5425799" y="4583908"/>
+            <a:off x="5425799" y="3892484"/>
             <a:ext cx="6431470" cy="302712"/>
           </a:xfrm>
           <a:prstGeom prst="rect">
@@ -41606,20 +41629,7 @@
                 <a:ea typeface="Tahoma" pitchFamily="34" charset="0"/>
                 <a:cs typeface="Tahoma" pitchFamily="34" charset="0"/>
               </a:rPr>
-              <a:t>Nhược điểm</a:t>
-            </a:r>
-            <a:r>
-              <a:rPr lang="en-US" sz="1600" b="1" smtClean="0">
-                <a:solidFill>
-                  <a:schemeClr val="accent3">
-                    <a:lumMod val="50000"/>
-                  </a:schemeClr>
-                </a:solidFill>
-                <a:latin typeface="Tahoma" pitchFamily="34" charset="0"/>
-                <a:ea typeface="Tahoma" pitchFamily="34" charset="0"/>
-                <a:cs typeface="Tahoma" pitchFamily="34" charset="0"/>
-              </a:rPr>
-              <a:t>:</a:t>
+              <a:t>Nhược điểm:</a:t>
             </a:r>
           </a:p>
           <a:p>
@@ -41653,15 +41663,7 @@
                 <a:ea typeface="Tahoma" panose="020B0604030504040204" pitchFamily="34" charset="0"/>
                 <a:cs typeface="Tahoma" panose="020B0604030504040204" pitchFamily="34" charset="0"/>
               </a:rPr>
-              <a:t>Vì ra đời từ khá lâu nên có một số điểm đã </a:t>
-            </a:r>
-            <a:r>
-              <a:rPr lang="en-US" sz="1600" b="1">
-                <a:latin typeface="Tahoma" panose="020B0604030504040204" pitchFamily="34" charset="0"/>
-                <a:ea typeface="Tahoma" panose="020B0604030504040204" pitchFamily="34" charset="0"/>
-                <a:cs typeface="Tahoma" panose="020B0604030504040204" pitchFamily="34" charset="0"/>
-              </a:rPr>
-              <a:t>lạc </a:t>
+              <a:t>Vì ra đời từ khá lâu nên có một số điểm đã lạc </a:t>
             </a:r>
             <a:r>
               <a:rPr lang="en-US" sz="1600" b="1" smtClean="0">
@@ -47165,20 +47167,7 @@
                 <a:ea typeface="Tahoma" pitchFamily="34" charset="0"/>
                 <a:cs typeface="Tahoma" pitchFamily="34" charset="0"/>
               </a:rPr>
-              <a:t>hàng</a:t>
-            </a:r>
-            <a:r>
-              <a:rPr lang="en-US" sz="1600" smtClean="0">
-                <a:solidFill>
-                  <a:schemeClr val="accent3">
-                    <a:lumMod val="50000"/>
-                  </a:schemeClr>
-                </a:solidFill>
-                <a:latin typeface="Tahoma" pitchFamily="34" charset="0"/>
-                <a:ea typeface="Tahoma" pitchFamily="34" charset="0"/>
-                <a:cs typeface="Tahoma" pitchFamily="34" charset="0"/>
-              </a:rPr>
-              <a:t> </a:t>
+              <a:t>hàng </a:t>
             </a:r>
             <a:r>
               <a:rPr lang="en-US" sz="1600">
@@ -53158,15 +53147,7 @@
                 <a:ea typeface="Tahoma" panose="020B0604030504040204" pitchFamily="34" charset="0"/>
                 <a:cs typeface="Tahoma" panose="020B0604030504040204" pitchFamily="34" charset="0"/>
               </a:rPr>
-              <a:t>Chức năng quản lý nhóm cây: quản lý được có những nhóm cây nào trong hệ thống, thông tin chi tiết về tên nhóm cây, có bao nhiêu cây thuộc nhóm này. Ngoài ra còn phải thêm,sửa,xóa,tìm kiếm nhóm cây trong hệ </a:t>
-            </a:r>
-            <a:r>
-              <a:rPr lang="en-US" sz="1600">
-                <a:latin typeface="Tahoma" panose="020B0604030504040204" pitchFamily="34" charset="0"/>
-                <a:ea typeface="Tahoma" panose="020B0604030504040204" pitchFamily="34" charset="0"/>
-                <a:cs typeface="Tahoma" panose="020B0604030504040204" pitchFamily="34" charset="0"/>
-              </a:rPr>
-              <a:t>thống</a:t>
+              <a:t>Chức năng quản lý nhóm cây: quản lý được có những nhóm cây nào trong hệ thống, thông tin chi tiết về tên nhóm cây, có bao nhiêu cây thuộc nhóm này. Ngoài ra còn phải thêm,sửa,xóa,tìm kiếm nhóm cây trong hệ thống</a:t>
             </a:r>
             <a:r>
               <a:rPr lang="en-US" sz="1600" smtClean="0">
@@ -53473,15 +53454,7 @@
                 <a:ea typeface="Tahoma" panose="020B0604030504040204" pitchFamily="34" charset="0"/>
                 <a:cs typeface="Tahoma" panose="020B0604030504040204" pitchFamily="34" charset="0"/>
               </a:rPr>
-              <a:t>Quản lý hóa đơn: hỗ trợ tìm kiếm hóa đơn xuất hàng theo ngày tạo hóa đơn, hoặc theo mã hóa đơn. Ngoài ra còn có thể xem thông tin chi tiết của hóa đơn xuất hàng, thêm hóa đơn xuất hàng và xuất hóa đơn  xuất hàng ra file </a:t>
-            </a:r>
-            <a:r>
-              <a:rPr lang="en-US" sz="1600">
-                <a:latin typeface="Tahoma" panose="020B0604030504040204" pitchFamily="34" charset="0"/>
-                <a:ea typeface="Tahoma" panose="020B0604030504040204" pitchFamily="34" charset="0"/>
-                <a:cs typeface="Tahoma" panose="020B0604030504040204" pitchFamily="34" charset="0"/>
-              </a:rPr>
-              <a:t>PDF</a:t>
+              <a:t>Quản lý hóa đơn: hỗ trợ tìm kiếm hóa đơn xuất hàng theo ngày tạo hóa đơn, hoặc theo mã hóa đơn. Ngoài ra còn có thể xem thông tin chi tiết của hóa đơn xuất hàng, thêm hóa đơn xuất hàng và xuất hóa đơn  xuất hàng ra file PDF</a:t>
             </a:r>
             <a:r>
               <a:rPr lang="en-US" sz="1600" smtClean="0">
@@ -53859,15 +53832,7 @@
                 <a:ea typeface="Tahoma" panose="020B0604030504040204" pitchFamily="34" charset="0"/>
                 <a:cs typeface="Tahoma" panose="020B0604030504040204" pitchFamily="34" charset="0"/>
               </a:rPr>
-              <a:t>Quản lý người dùng: quản lý được có những nhân viên nào trong hệ thống, thông tin cụ thể về từng nhân viên. Ngoài ra còn phải thêm, sửa, xóa và tìm kiếm được nhân </a:t>
-            </a:r>
-            <a:r>
-              <a:rPr lang="en-US" sz="1600">
-                <a:latin typeface="Tahoma" panose="020B0604030504040204" pitchFamily="34" charset="0"/>
-                <a:ea typeface="Tahoma" panose="020B0604030504040204" pitchFamily="34" charset="0"/>
-                <a:cs typeface="Tahoma" panose="020B0604030504040204" pitchFamily="34" charset="0"/>
-              </a:rPr>
-              <a:t>viên</a:t>
+              <a:t>Quản lý người dùng: quản lý được có những nhân viên nào trong hệ thống, thông tin cụ thể về từng nhân viên. Ngoài ra còn phải thêm, sửa, xóa và tìm kiếm được nhân viên</a:t>
             </a:r>
             <a:r>
               <a:rPr lang="en-US" sz="1600" smtClean="0">
@@ -53906,21 +53871,8 @@
                 <a:ea typeface="Tahoma" panose="020B0604030504040204" pitchFamily="34" charset="0"/>
                 <a:cs typeface="Tahoma" panose="020B0604030504040204" pitchFamily="34" charset="0"/>
               </a:rPr>
-              <a:t>Quản lý khách hàng: Hỗ trợ quản lý thông tin của khách hàng với các chức năng thêm và sửa khách </a:t>
+              <a:t>Quản lý khách hàng: Hỗ trợ quản lý thông tin của khách hàng với các chức năng thêm và sửa khách hàng </a:t>
             </a:r>
-            <a:r>
-              <a:rPr lang="en-US" sz="1600">
-                <a:latin typeface="Tahoma" panose="020B0604030504040204" pitchFamily="34" charset="0"/>
-                <a:ea typeface="Tahoma" panose="020B0604030504040204" pitchFamily="34" charset="0"/>
-                <a:cs typeface="Tahoma" panose="020B0604030504040204" pitchFamily="34" charset="0"/>
-              </a:rPr>
-              <a:t>hàng </a:t>
-            </a:r>
-            <a:endParaRPr lang="en-US" sz="1600">
-              <a:latin typeface="Tahoma" panose="020B0604030504040204" pitchFamily="34" charset="0"/>
-              <a:ea typeface="Tahoma" panose="020B0604030504040204" pitchFamily="34" charset="0"/>
-              <a:cs typeface="Tahoma" panose="020B0604030504040204" pitchFamily="34" charset="0"/>
-            </a:endParaRPr>
           </a:p>
           <a:p>
             <a:pPr marL="342900" lvl="0" indent="-342900" algn="just">

--- a/slide/BaoCao-VHMTH-Edited.pptx
+++ b/slide/BaoCao-VHMTH-Edited.pptx
@@ -22469,20 +22469,7 @@
                 <a:ea typeface="Tahoma" pitchFamily="34" charset="0"/>
                 <a:cs typeface="Tahoma" pitchFamily="34" charset="0"/>
               </a:rPr>
-              <a:t>QuảnLý </a:t>
-            </a:r>
-            <a:r>
-              <a:rPr lang="en-US" sz="1600" b="1" smtClean="0">
-                <a:solidFill>
-                  <a:schemeClr val="accent3">
-                    <a:lumMod val="50000"/>
-                  </a:schemeClr>
-                </a:solidFill>
-                <a:latin typeface="Tahoma" pitchFamily="34" charset="0"/>
-                <a:ea typeface="Tahoma" pitchFamily="34" charset="0"/>
-                <a:cs typeface="Tahoma" pitchFamily="34" charset="0"/>
-              </a:rPr>
-              <a:t>Nhập Hàng</a:t>
+              <a:t>QuảnLý Nhập Hàng</a:t>
             </a:r>
             <a:endParaRPr lang="fr-FR" sz="1600" b="1">
               <a:solidFill>
